--- a/Recommendation Engine.pptx
+++ b/Recommendation Engine.pptx
@@ -5,10 +5,10 @@
     <p:sldMasterId id="2147483656" r:id="rId1"/>
   </p:sldMasterIdLst>
   <p:notesMasterIdLst>
-    <p:notesMasterId r:id="rId12"/>
+    <p:notesMasterId r:id="rId13"/>
   </p:notesMasterIdLst>
   <p:handoutMasterIdLst>
-    <p:handoutMasterId r:id="rId13"/>
+    <p:handoutMasterId r:id="rId14"/>
   </p:handoutMasterIdLst>
   <p:sldIdLst>
     <p:sldId id="348" r:id="rId2"/>
@@ -19,13 +19,14 @@
     <p:sldId id="11098" r:id="rId7"/>
     <p:sldId id="11099" r:id="rId8"/>
     <p:sldId id="11100" r:id="rId9"/>
-    <p:sldId id="11094" r:id="rId10"/>
-    <p:sldId id="11084" r:id="rId11"/>
+    <p:sldId id="11101" r:id="rId10"/>
+    <p:sldId id="11094" r:id="rId11"/>
+    <p:sldId id="11084" r:id="rId12"/>
   </p:sldIdLst>
   <p:sldSz cx="12188825" cy="6858000"/>
   <p:notesSz cx="6858000" cy="9144000"/>
   <p:custDataLst>
-    <p:tags r:id="rId14"/>
+    <p:tags r:id="rId15"/>
   </p:custDataLst>
   <p:defaultTextStyle>
     <a:defPPr>
@@ -8381,7 +8382,7 @@
             <a:fld id="{5D2EE567-80D6-42C6-844A-F0F6714FC972}" type="datetimeFigureOut">
               <a:rPr lang="en-US" smtClean="0"/>
               <a:pPr/>
-              <a:t>12/4/2022</a:t>
+              <a:t>12/5/2022</a:t>
             </a:fld>
             <a:endParaRPr lang="en-US"/>
           </a:p>
@@ -8548,7 +8549,7 @@
             <a:fld id="{A2A3B128-E09D-491C-B840-DB8C264A8EFA}" type="datetimeFigureOut">
               <a:rPr lang="en-US" smtClean="0"/>
               <a:pPr/>
-              <a:t>12/4/2022</a:t>
+              <a:t>12/5/2022</a:t>
             </a:fld>
             <a:endParaRPr lang="en-US"/>
           </a:p>
@@ -8894,6 +8895,91 @@
     <p:extLst>
       <p:ext uri="{BB962C8B-B14F-4D97-AF65-F5344CB8AC3E}">
         <p14:creationId xmlns:p14="http://schemas.microsoft.com/office/powerpoint/2010/main" val="2520882489"/>
+      </p:ext>
+    </p:extLst>
+  </p:cSld>
+  <p:clrMapOvr>
+    <a:masterClrMapping/>
+  </p:clrMapOvr>
+</p:notes>
+</file>
+
+<file path=ppt/notesSlides/notesSlide10.xml><?xml version="1.0" encoding="utf-8"?>
+<p:notes xmlns:a="http://schemas.openxmlformats.org/drawingml/2006/main" xmlns:r="http://schemas.openxmlformats.org/officeDocument/2006/relationships" xmlns:p="http://schemas.openxmlformats.org/presentationml/2006/main">
+  <p:cSld>
+    <p:spTree>
+      <p:nvGrpSpPr>
+        <p:cNvPr id="1" name=""/>
+        <p:cNvGrpSpPr/>
+        <p:nvPr/>
+      </p:nvGrpSpPr>
+      <p:grpSpPr>
+        <a:xfrm>
+          <a:off x="0" y="0"/>
+          <a:ext cx="0" cy="0"/>
+          <a:chOff x="0" y="0"/>
+          <a:chExt cx="0" cy="0"/>
+        </a:xfrm>
+      </p:grpSpPr>
+      <p:sp>
+        <p:nvSpPr>
+          <p:cNvPr id="2" name="Slide Image Placeholder 1"/>
+          <p:cNvSpPr>
+            <a:spLocks noGrp="1" noRot="1" noChangeAspect="1"/>
+          </p:cNvSpPr>
+          <p:nvPr>
+            <p:ph type="sldImg"/>
+          </p:nvPr>
+        </p:nvSpPr>
+        <p:spPr/>
+      </p:sp>
+      <p:sp>
+        <p:nvSpPr>
+          <p:cNvPr id="3" name="Notes Placeholder 2"/>
+          <p:cNvSpPr>
+            <a:spLocks noGrp="1"/>
+          </p:cNvSpPr>
+          <p:nvPr>
+            <p:ph type="body" idx="1"/>
+          </p:nvPr>
+        </p:nvSpPr>
+        <p:spPr/>
+        <p:txBody>
+          <a:bodyPr/>
+          <a:lstStyle/>
+          <a:p>
+            <a:endParaRPr lang="en-IN" dirty="0"/>
+          </a:p>
+        </p:txBody>
+      </p:sp>
+      <p:sp>
+        <p:nvSpPr>
+          <p:cNvPr id="4" name="Slide Number Placeholder 3"/>
+          <p:cNvSpPr>
+            <a:spLocks noGrp="1"/>
+          </p:cNvSpPr>
+          <p:nvPr>
+            <p:ph type="sldNum" sz="quarter" idx="5"/>
+          </p:nvPr>
+        </p:nvSpPr>
+        <p:spPr/>
+        <p:txBody>
+          <a:bodyPr/>
+          <a:lstStyle/>
+          <a:p>
+            <a:fld id="{3EF2277D-4E65-471B-8FDC-312617F5EA89}" type="slidenum">
+              <a:rPr lang="en-US" smtClean="0"/>
+              <a:pPr/>
+              <a:t>11</a:t>
+            </a:fld>
+            <a:endParaRPr lang="en-US" dirty="0"/>
+          </a:p>
+        </p:txBody>
+      </p:sp>
+    </p:spTree>
+    <p:extLst>
+      <p:ext uri="{BB962C8B-B14F-4D97-AF65-F5344CB8AC3E}">
+        <p14:creationId xmlns:p14="http://schemas.microsoft.com/office/powerpoint/2010/main" val="3847504009"/>
       </p:ext>
     </p:extLst>
   </p:cSld>
@@ -9493,7 +9579,7 @@
     </p:spTree>
     <p:extLst>
       <p:ext uri="{BB962C8B-B14F-4D97-AF65-F5344CB8AC3E}">
-        <p14:creationId xmlns:p14="http://schemas.microsoft.com/office/powerpoint/2010/main" val="2691600345"/>
+        <p14:creationId xmlns:p14="http://schemas.microsoft.com/office/powerpoint/2010/main" val="3896384229"/>
       </p:ext>
     </p:extLst>
   </p:cSld>
@@ -9547,7 +9633,7 @@
           <a:bodyPr/>
           <a:lstStyle/>
           <a:p>
-            <a:endParaRPr lang="en-IN" dirty="0"/>
+            <a:endParaRPr lang="en-US" dirty="0"/>
           </a:p>
         </p:txBody>
       </p:sp>
@@ -9571,14 +9657,14 @@
               <a:pPr/>
               <a:t>10</a:t>
             </a:fld>
-            <a:endParaRPr lang="en-US" dirty="0"/>
+            <a:endParaRPr lang="en-US"/>
           </a:p>
         </p:txBody>
       </p:sp>
     </p:spTree>
     <p:extLst>
       <p:ext uri="{BB962C8B-B14F-4D97-AF65-F5344CB8AC3E}">
-        <p14:creationId xmlns:p14="http://schemas.microsoft.com/office/powerpoint/2010/main" val="3847504009"/>
+        <p14:creationId xmlns:p14="http://schemas.microsoft.com/office/powerpoint/2010/main" val="2691600345"/>
       </p:ext>
     </p:extLst>
   </p:cSld>
@@ -14945,6 +15031,136 @@
       </p:grpSpPr>
       <p:sp>
         <p:nvSpPr>
+          <p:cNvPr id="2" name="Title 1">
+            <a:extLst>
+              <a:ext uri="{FF2B5EF4-FFF2-40B4-BE49-F238E27FC236}">
+                <a16:creationId xmlns:a16="http://schemas.microsoft.com/office/drawing/2014/main" id="{02590833-81FD-4547-8DFE-7891404F1758}"/>
+              </a:ext>
+            </a:extLst>
+          </p:cNvPr>
+          <p:cNvSpPr>
+            <a:spLocks noGrp="1"/>
+          </p:cNvSpPr>
+          <p:nvPr>
+            <p:ph type="title"/>
+          </p:nvPr>
+        </p:nvSpPr>
+        <p:spPr/>
+        <p:txBody>
+          <a:bodyPr/>
+          <a:lstStyle/>
+          <a:p>
+            <a:r>
+              <a:rPr lang="en-IN" b="1" dirty="0"/>
+              <a:t>References</a:t>
+            </a:r>
+          </a:p>
+        </p:txBody>
+      </p:sp>
+      <p:sp>
+        <p:nvSpPr>
+          <p:cNvPr id="4" name="Content Placeholder 3">
+            <a:extLst>
+              <a:ext uri="{FF2B5EF4-FFF2-40B4-BE49-F238E27FC236}">
+                <a16:creationId xmlns:a16="http://schemas.microsoft.com/office/drawing/2014/main" id="{CFB4F272-7D6F-4580-13A9-5F36B0A72EE3}"/>
+              </a:ext>
+            </a:extLst>
+          </p:cNvPr>
+          <p:cNvSpPr>
+            <a:spLocks noGrp="1"/>
+          </p:cNvSpPr>
+          <p:nvPr>
+            <p:ph idx="1"/>
+          </p:nvPr>
+        </p:nvSpPr>
+        <p:spPr/>
+        <p:txBody>
+          <a:bodyPr/>
+          <a:lstStyle/>
+          <a:p>
+            <a:r>
+              <a:rPr lang="en-US" dirty="0">
+                <a:hlinkClick r:id="rId3"/>
+              </a:rPr>
+              <a:t>https://towardsdatascience.com/latent-dirichlet-allocation-lda-9d1cd064ffa2</a:t>
+            </a:r>
+            <a:endParaRPr lang="en-US" dirty="0"/>
+          </a:p>
+          <a:p>
+            <a:r>
+              <a:rPr lang="en-US" dirty="0">
+                <a:hlinkClick r:id="rId4"/>
+              </a:rPr>
+              <a:t>https://www.geeksforgeeks.org/latent-dirichlet-allocation/</a:t>
+            </a:r>
+            <a:endParaRPr lang="en-US" dirty="0"/>
+          </a:p>
+          <a:p>
+            <a:r>
+              <a:rPr lang="en-US" dirty="0">
+                <a:hlinkClick r:id="rId5"/>
+              </a:rPr>
+              <a:t>https://www.analyticsvidhya.com/blog/2021/05/topic-modelling-in-natural-language-processing/</a:t>
+            </a:r>
+            <a:endParaRPr lang="en-US" dirty="0"/>
+          </a:p>
+          <a:p>
+            <a:r>
+              <a:rPr lang="en-US" dirty="0">
+                <a:hlinkClick r:id="rId6"/>
+              </a:rPr>
+              <a:t>https://towardsdatascience.com/topic-modeling-and-latent-dirichlet-allocation-in-python-9bf156893c24</a:t>
+            </a:r>
+            <a:endParaRPr lang="en-US" dirty="0"/>
+          </a:p>
+          <a:p>
+            <a:endParaRPr lang="en-US" dirty="0"/>
+          </a:p>
+          <a:p>
+            <a:endParaRPr lang="en-US" dirty="0"/>
+          </a:p>
+          <a:p>
+            <a:pPr>
+              <a:lnSpc>
+                <a:spcPct val="200000"/>
+              </a:lnSpc>
+            </a:pPr>
+            <a:endParaRPr lang="en-US" dirty="0"/>
+          </a:p>
+        </p:txBody>
+      </p:sp>
+    </p:spTree>
+    <p:extLst>
+      <p:ext uri="{BB962C8B-B14F-4D97-AF65-F5344CB8AC3E}">
+        <p14:creationId xmlns:p14="http://schemas.microsoft.com/office/powerpoint/2010/main" val="201107313"/>
+      </p:ext>
+    </p:extLst>
+  </p:cSld>
+  <p:clrMapOvr>
+    <a:masterClrMapping/>
+  </p:clrMapOvr>
+</p:sld>
+</file>
+
+<file path=ppt/slides/slide11.xml><?xml version="1.0" encoding="utf-8"?>
+<p:sld xmlns:a="http://schemas.openxmlformats.org/drawingml/2006/main" xmlns:r="http://schemas.openxmlformats.org/officeDocument/2006/relationships" xmlns:p="http://schemas.openxmlformats.org/presentationml/2006/main">
+  <p:cSld>
+    <p:spTree>
+      <p:nvGrpSpPr>
+        <p:cNvPr id="1" name=""/>
+        <p:cNvGrpSpPr/>
+        <p:nvPr/>
+      </p:nvGrpSpPr>
+      <p:grpSpPr>
+        <a:xfrm>
+          <a:off x="0" y="0"/>
+          <a:ext cx="0" cy="0"/>
+          <a:chOff x="0" y="0"/>
+          <a:chExt cx="0" cy="0"/>
+        </a:xfrm>
+      </p:grpSpPr>
+      <p:sp>
+        <p:nvSpPr>
           <p:cNvPr id="3" name="Title 2">
             <a:extLst>
               <a:ext uri="{FF2B5EF4-FFF2-40B4-BE49-F238E27FC236}">
@@ -15180,7 +15396,7 @@
         <p:spPr>
           <a:xfrm>
             <a:off x="1113752" y="1370276"/>
-            <a:ext cx="8212016" cy="3359061"/>
+            <a:ext cx="8212016" cy="3913059"/>
           </a:xfrm>
           <a:prstGeom prst="rect">
             <a:avLst/>
@@ -15255,6 +15471,19 @@
             <a:r>
               <a:rPr lang="en-US" sz="2400" b="1" dirty="0"/>
               <a:t>Steps to execute code</a:t>
+            </a:r>
+          </a:p>
+          <a:p>
+            <a:pPr marL="285750" indent="-285750">
+              <a:lnSpc>
+                <a:spcPct val="150000"/>
+              </a:lnSpc>
+              <a:buFont typeface="Arial" panose="020B0604020202020204" pitchFamily="34" charset="0"/>
+              <a:buChar char="•"/>
+            </a:pPr>
+            <a:r>
+              <a:rPr lang="en-US" sz="2400" b="1" dirty="0"/>
+              <a:t>Output</a:t>
             </a:r>
           </a:p>
           <a:p>
@@ -16329,10 +16558,63 @@
       </p:grpSpPr>
       <p:sp>
         <p:nvSpPr>
-          <p:cNvPr id="2" name="Title 1">
+          <p:cNvPr id="13" name="Speech Bubble: Rectangle 12">
             <a:extLst>
               <a:ext uri="{FF2B5EF4-FFF2-40B4-BE49-F238E27FC236}">
-                <a16:creationId xmlns:a16="http://schemas.microsoft.com/office/drawing/2014/main" id="{02590833-81FD-4547-8DFE-7891404F1758}"/>
+                <a16:creationId xmlns:a16="http://schemas.microsoft.com/office/drawing/2014/main" id="{AD65882E-C4F4-B8C6-4DC9-D08599DCC06B}"/>
+              </a:ext>
+            </a:extLst>
+          </p:cNvPr>
+          <p:cNvSpPr/>
+          <p:nvPr/>
+        </p:nvSpPr>
+        <p:spPr>
+          <a:xfrm>
+            <a:off x="8439150" y="4981802"/>
+            <a:ext cx="1466850" cy="674518"/>
+          </a:xfrm>
+          <a:prstGeom prst="wedgeRectCallout">
+            <a:avLst/>
+          </a:prstGeom>
+          <a:ln/>
+        </p:spPr>
+        <p:style>
+          <a:lnRef idx="1">
+            <a:schemeClr val="accent3"/>
+          </a:lnRef>
+          <a:fillRef idx="2">
+            <a:schemeClr val="accent3"/>
+          </a:fillRef>
+          <a:effectRef idx="1">
+            <a:schemeClr val="accent3"/>
+          </a:effectRef>
+          <a:fontRef idx="minor">
+            <a:schemeClr val="dk1"/>
+          </a:fontRef>
+        </p:style>
+        <p:txBody>
+          <a:bodyPr lIns="45720" tIns="45720" rIns="45720" bIns="45720" rtlCol="0" anchor="ctr"/>
+          <a:lstStyle/>
+          <a:p>
+            <a:pPr algn="l">
+              <a:spcBef>
+                <a:spcPts val="1200"/>
+              </a:spcBef>
+            </a:pPr>
+            <a:endParaRPr lang="en-US" sz="1400" dirty="0">
+              <a:solidFill>
+                <a:schemeClr val="tx1"/>
+              </a:solidFill>
+            </a:endParaRPr>
+          </a:p>
+        </p:txBody>
+      </p:sp>
+      <p:sp>
+        <p:nvSpPr>
+          <p:cNvPr id="6" name="Title 5">
+            <a:extLst>
+              <a:ext uri="{FF2B5EF4-FFF2-40B4-BE49-F238E27FC236}">
+                <a16:creationId xmlns:a16="http://schemas.microsoft.com/office/drawing/2014/main" id="{EAE2701A-ED69-4FD8-AE33-5CE23CC0145B}"/>
               </a:ext>
             </a:extLst>
           </p:cNvPr>
@@ -16348,89 +16630,154 @@
           <a:bodyPr/>
           <a:lstStyle/>
           <a:p>
+            <a:pPr>
+              <a:lnSpc>
+                <a:spcPct val="150000"/>
+              </a:lnSpc>
+            </a:pPr>
             <a:r>
-              <a:rPr lang="en-IN" b="1" dirty="0"/>
-              <a:t>References</a:t>
+              <a:rPr lang="en-US" sz="2800" b="1" dirty="0"/>
+              <a:t>Output</a:t>
             </a:r>
           </a:p>
         </p:txBody>
       </p:sp>
-      <p:sp>
-        <p:nvSpPr>
-          <p:cNvPr id="4" name="Content Placeholder 3">
+      <p:pic>
+        <p:nvPicPr>
+          <p:cNvPr id="7" name="Content Placeholder 6">
             <a:extLst>
               <a:ext uri="{FF2B5EF4-FFF2-40B4-BE49-F238E27FC236}">
-                <a16:creationId xmlns:a16="http://schemas.microsoft.com/office/drawing/2014/main" id="{CFB4F272-7D6F-4580-13A9-5F36B0A72EE3}"/>
+                <a16:creationId xmlns:a16="http://schemas.microsoft.com/office/drawing/2014/main" id="{F84281FF-4F2C-2C2A-457E-53BF5B707779}"/>
               </a:ext>
             </a:extLst>
           </p:cNvPr>
-          <p:cNvSpPr>
-            <a:spLocks noGrp="1"/>
-          </p:cNvSpPr>
+          <p:cNvPicPr>
+            <a:picLocks noGrp="1" noChangeAspect="1"/>
+          </p:cNvPicPr>
           <p:nvPr>
             <p:ph idx="1"/>
           </p:nvPr>
+        </p:nvPicPr>
+        <p:blipFill>
+          <a:blip r:embed="rId3"/>
+          <a:stretch>
+            <a:fillRect/>
+          </a:stretch>
+        </p:blipFill>
+        <p:spPr>
+          <a:xfrm>
+            <a:off x="304721" y="962025"/>
+            <a:ext cx="6943804" cy="3911104"/>
+          </a:xfrm>
+        </p:spPr>
+      </p:pic>
+      <p:pic>
+        <p:nvPicPr>
+          <p:cNvPr id="9" name="Picture 8">
+            <a:extLst>
+              <a:ext uri="{FF2B5EF4-FFF2-40B4-BE49-F238E27FC236}">
+                <a16:creationId xmlns:a16="http://schemas.microsoft.com/office/drawing/2014/main" id="{E4AF6663-0E18-1C47-D0D7-01F0C5A301B3}"/>
+              </a:ext>
+            </a:extLst>
+          </p:cNvPr>
+          <p:cNvPicPr>
+            <a:picLocks noChangeAspect="1"/>
+          </p:cNvPicPr>
+          <p:nvPr/>
+        </p:nvPicPr>
+        <p:blipFill rotWithShape="1">
+          <a:blip r:embed="rId4"/>
+          <a:srcRect l="8313" r="3550"/>
+          <a:stretch/>
+        </p:blipFill>
+        <p:spPr>
+          <a:xfrm>
+            <a:off x="4486275" y="5818683"/>
+            <a:ext cx="6581776" cy="542925"/>
+          </a:xfrm>
+          <a:prstGeom prst="rect">
+            <a:avLst/>
+          </a:prstGeom>
+        </p:spPr>
+      </p:pic>
+      <p:cxnSp>
+        <p:nvCxnSpPr>
+          <p:cNvPr id="11" name="Straight Arrow Connector 10">
+            <a:extLst>
+              <a:ext uri="{FF2B5EF4-FFF2-40B4-BE49-F238E27FC236}">
+                <a16:creationId xmlns:a16="http://schemas.microsoft.com/office/drawing/2014/main" id="{EC0C4C24-251C-C20D-AF38-72A131AA0C9D}"/>
+              </a:ext>
+            </a:extLst>
+          </p:cNvPr>
+          <p:cNvCxnSpPr/>
+          <p:nvPr/>
+        </p:nvCxnSpPr>
+        <p:spPr>
+          <a:xfrm>
+            <a:off x="6572250" y="5238749"/>
+            <a:ext cx="390525" cy="457200"/>
+          </a:xfrm>
+          <a:prstGeom prst="straightConnector1">
+            <a:avLst/>
+          </a:prstGeom>
+          <a:ln>
+            <a:tailEnd type="triangle"/>
+          </a:ln>
+        </p:spPr>
+        <p:style>
+          <a:lnRef idx="2">
+            <a:schemeClr val="accent4"/>
+          </a:lnRef>
+          <a:fillRef idx="0">
+            <a:schemeClr val="accent4"/>
+          </a:fillRef>
+          <a:effectRef idx="1">
+            <a:schemeClr val="accent4"/>
+          </a:effectRef>
+          <a:fontRef idx="minor">
+            <a:schemeClr val="tx1"/>
+          </a:fontRef>
+        </p:style>
+      </p:cxnSp>
+      <p:sp>
+        <p:nvSpPr>
+          <p:cNvPr id="12" name="TextBox 11">
+            <a:extLst>
+              <a:ext uri="{FF2B5EF4-FFF2-40B4-BE49-F238E27FC236}">
+                <a16:creationId xmlns:a16="http://schemas.microsoft.com/office/drawing/2014/main" id="{B7167E7E-9704-040F-B688-E7E03115E8E0}"/>
+              </a:ext>
+            </a:extLst>
+          </p:cNvPr>
+          <p:cNvSpPr txBox="1"/>
+          <p:nvPr/>
         </p:nvSpPr>
-        <p:spPr/>
+        <p:spPr>
+          <a:xfrm>
+            <a:off x="8724900" y="5134395"/>
+            <a:ext cx="895350" cy="369332"/>
+          </a:xfrm>
+          <a:prstGeom prst="rect">
+            <a:avLst/>
+          </a:prstGeom>
+          <a:noFill/>
+        </p:spPr>
         <p:txBody>
-          <a:bodyPr/>
+          <a:bodyPr wrap="square" rtlCol="0">
+            <a:spAutoFit/>
+          </a:bodyPr>
           <a:lstStyle/>
           <a:p>
             <a:r>
-              <a:rPr lang="en-US" dirty="0">
-                <a:hlinkClick r:id="rId3"/>
-              </a:rPr>
-              <a:t>https://towardsdatascience.com/latent-dirichlet-allocation-lda-9d1cd064ffa2</a:t>
+              <a:rPr lang="en-US" dirty="0"/>
+              <a:t>Output</a:t>
             </a:r>
-            <a:endParaRPr lang="en-US" dirty="0"/>
-          </a:p>
-          <a:p>
-            <a:r>
-              <a:rPr lang="en-US" dirty="0">
-                <a:hlinkClick r:id="rId4"/>
-              </a:rPr>
-              <a:t>https://www.geeksforgeeks.org/latent-dirichlet-allocation/</a:t>
-            </a:r>
-            <a:endParaRPr lang="en-US" dirty="0"/>
-          </a:p>
-          <a:p>
-            <a:r>
-              <a:rPr lang="en-US" dirty="0">
-                <a:hlinkClick r:id="rId5"/>
-              </a:rPr>
-              <a:t>https://www.analyticsvidhya.com/blog/2021/05/topic-modelling-in-natural-language-processing/</a:t>
-            </a:r>
-            <a:endParaRPr lang="en-US" dirty="0"/>
-          </a:p>
-          <a:p>
-            <a:r>
-              <a:rPr lang="en-US" dirty="0">
-                <a:hlinkClick r:id="rId6"/>
-              </a:rPr>
-              <a:t>https://towardsdatascience.com/topic-modeling-and-latent-dirichlet-allocation-in-python-9bf156893c24</a:t>
-            </a:r>
-            <a:endParaRPr lang="en-US" dirty="0"/>
-          </a:p>
-          <a:p>
-            <a:endParaRPr lang="en-US" dirty="0"/>
-          </a:p>
-          <a:p>
-            <a:endParaRPr lang="en-US" dirty="0"/>
-          </a:p>
-          <a:p>
-            <a:pPr>
-              <a:lnSpc>
-                <a:spcPct val="200000"/>
-              </a:lnSpc>
-            </a:pPr>
-            <a:endParaRPr lang="en-US" dirty="0"/>
           </a:p>
         </p:txBody>
       </p:sp>
     </p:spTree>
     <p:extLst>
       <p:ext uri="{BB962C8B-B14F-4D97-AF65-F5344CB8AC3E}">
-        <p14:creationId xmlns:p14="http://schemas.microsoft.com/office/powerpoint/2010/main" val="201107313"/>
+        <p14:creationId xmlns:p14="http://schemas.microsoft.com/office/powerpoint/2010/main" val="2299950807"/>
       </p:ext>
     </p:extLst>
   </p:cSld>

--- a/Recommendation Engine.pptx
+++ b/Recommendation Engine.pptx
@@ -16526,6 +16526,53 @@
           </a:graphicData>
         </a:graphic>
       </p:graphicFrame>
+      <p:sp>
+        <p:nvSpPr>
+          <p:cNvPr id="2" name="TextBox 1">
+            <a:extLst>
+              <a:ext uri="{FF2B5EF4-FFF2-40B4-BE49-F238E27FC236}">
+                <a16:creationId xmlns:a16="http://schemas.microsoft.com/office/drawing/2014/main" id="{6393789C-3E94-9751-0B8C-7CB6F72A787C}"/>
+              </a:ext>
+            </a:extLst>
+          </p:cNvPr>
+          <p:cNvSpPr txBox="1"/>
+          <p:nvPr/>
+        </p:nvSpPr>
+        <p:spPr>
+          <a:xfrm>
+            <a:off x="4200525" y="550625"/>
+            <a:ext cx="4895850" cy="369332"/>
+          </a:xfrm>
+          <a:prstGeom prst="rect">
+            <a:avLst/>
+          </a:prstGeom>
+          <a:noFill/>
+        </p:spPr>
+        <p:txBody>
+          <a:bodyPr wrap="square" rtlCol="0">
+            <a:spAutoFit/>
+          </a:bodyPr>
+          <a:lstStyle/>
+          <a:p>
+            <a:r>
+              <a:rPr lang="en-US"/>
+              <a:t>* Install </a:t>
+            </a:r>
+            <a:r>
+              <a:rPr lang="en-US" dirty="0"/>
+              <a:t>dependencies of </a:t>
+            </a:r>
+            <a:r>
+              <a:rPr lang="en-US" dirty="0" err="1"/>
+              <a:t>Py</a:t>
+            </a:r>
+            <a:r>
+              <a:rPr lang="en-US" dirty="0"/>
+              <a:t> from requirements.txt</a:t>
+            </a:r>
+          </a:p>
+        </p:txBody>
+      </p:sp>
     </p:spTree>
     <p:extLst>
       <p:ext uri="{BB962C8B-B14F-4D97-AF65-F5344CB8AC3E}">
